--- a/naver google api.pptx
+++ b/naver google api.pptx
@@ -1,6 +1,6 @@
 
 <file path=ppt/presentation.xml><?xml version="1.0" encoding="utf-8"?>
-<p:presentation xmlns:a="http://schemas.openxmlformats.org/drawingml/2006/main" xmlns:r="http://schemas.openxmlformats.org/officeDocument/2006/relationships" xmlns:p="http://schemas.openxmlformats.org/presentationml/2006/main" saveSubsetFonts="1">
+<p:presentation xmlns:a="http://schemas.openxmlformats.org/drawingml/2006/main" xmlns:r="http://schemas.openxmlformats.org/officeDocument/2006/relationships" xmlns:p="http://schemas.openxmlformats.org/presentationml/2006/main" serverZoom="31064" saveSubsetFonts="1">
   <p:sldMasterIdLst>
     <p:sldMasterId id="2147483648" r:id="rId1"/>
   </p:sldMasterIdLst>
@@ -267,7 +267,7 @@
           <a:p>
             <a:fld id="{8371814F-6745-4BD5-BB6C-55747C060E9E}" type="datetimeFigureOut">
               <a:rPr lang="ko-KR" altLang="en-US" smtClean="0"/>
-              <a:t>2020-07-24</a:t>
+              <a:t>2020-11-15</a:t>
             </a:fld>
             <a:endParaRPr lang="ko-KR" altLang="en-US"/>
           </a:p>
@@ -437,7 +437,7 @@
           <a:p>
             <a:fld id="{8371814F-6745-4BD5-BB6C-55747C060E9E}" type="datetimeFigureOut">
               <a:rPr lang="ko-KR" altLang="en-US" smtClean="0"/>
-              <a:t>2020-07-24</a:t>
+              <a:t>2020-11-15</a:t>
             </a:fld>
             <a:endParaRPr lang="ko-KR" altLang="en-US"/>
           </a:p>
@@ -617,7 +617,7 @@
           <a:p>
             <a:fld id="{8371814F-6745-4BD5-BB6C-55747C060E9E}" type="datetimeFigureOut">
               <a:rPr lang="ko-KR" altLang="en-US" smtClean="0"/>
-              <a:t>2020-07-24</a:t>
+              <a:t>2020-11-15</a:t>
             </a:fld>
             <a:endParaRPr lang="ko-KR" altLang="en-US"/>
           </a:p>
@@ -787,7 +787,7 @@
           <a:p>
             <a:fld id="{8371814F-6745-4BD5-BB6C-55747C060E9E}" type="datetimeFigureOut">
               <a:rPr lang="ko-KR" altLang="en-US" smtClean="0"/>
-              <a:t>2020-07-24</a:t>
+              <a:t>2020-11-15</a:t>
             </a:fld>
             <a:endParaRPr lang="ko-KR" altLang="en-US"/>
           </a:p>
@@ -1033,7 +1033,7 @@
           <a:p>
             <a:fld id="{8371814F-6745-4BD5-BB6C-55747C060E9E}" type="datetimeFigureOut">
               <a:rPr lang="ko-KR" altLang="en-US" smtClean="0"/>
-              <a:t>2020-07-24</a:t>
+              <a:t>2020-11-15</a:t>
             </a:fld>
             <a:endParaRPr lang="ko-KR" altLang="en-US"/>
           </a:p>
@@ -1265,7 +1265,7 @@
           <a:p>
             <a:fld id="{8371814F-6745-4BD5-BB6C-55747C060E9E}" type="datetimeFigureOut">
               <a:rPr lang="ko-KR" altLang="en-US" smtClean="0"/>
-              <a:t>2020-07-24</a:t>
+              <a:t>2020-11-15</a:t>
             </a:fld>
             <a:endParaRPr lang="ko-KR" altLang="en-US"/>
           </a:p>
@@ -1632,7 +1632,7 @@
           <a:p>
             <a:fld id="{8371814F-6745-4BD5-BB6C-55747C060E9E}" type="datetimeFigureOut">
               <a:rPr lang="ko-KR" altLang="en-US" smtClean="0"/>
-              <a:t>2020-07-24</a:t>
+              <a:t>2020-11-15</a:t>
             </a:fld>
             <a:endParaRPr lang="ko-KR" altLang="en-US"/>
           </a:p>
@@ -1750,7 +1750,7 @@
           <a:p>
             <a:fld id="{8371814F-6745-4BD5-BB6C-55747C060E9E}" type="datetimeFigureOut">
               <a:rPr lang="ko-KR" altLang="en-US" smtClean="0"/>
-              <a:t>2020-07-24</a:t>
+              <a:t>2020-11-15</a:t>
             </a:fld>
             <a:endParaRPr lang="ko-KR" altLang="en-US"/>
           </a:p>
@@ -1845,7 +1845,7 @@
           <a:p>
             <a:fld id="{8371814F-6745-4BD5-BB6C-55747C060E9E}" type="datetimeFigureOut">
               <a:rPr lang="ko-KR" altLang="en-US" smtClean="0"/>
-              <a:t>2020-07-24</a:t>
+              <a:t>2020-11-15</a:t>
             </a:fld>
             <a:endParaRPr lang="ko-KR" altLang="en-US"/>
           </a:p>
@@ -2122,7 +2122,7 @@
           <a:p>
             <a:fld id="{8371814F-6745-4BD5-BB6C-55747C060E9E}" type="datetimeFigureOut">
               <a:rPr lang="ko-KR" altLang="en-US" smtClean="0"/>
-              <a:t>2020-07-24</a:t>
+              <a:t>2020-11-15</a:t>
             </a:fld>
             <a:endParaRPr lang="ko-KR" altLang="en-US"/>
           </a:p>
@@ -2375,7 +2375,7 @@
           <a:p>
             <a:fld id="{8371814F-6745-4BD5-BB6C-55747C060E9E}" type="datetimeFigureOut">
               <a:rPr lang="ko-KR" altLang="en-US" smtClean="0"/>
-              <a:t>2020-07-24</a:t>
+              <a:t>2020-11-15</a:t>
             </a:fld>
             <a:endParaRPr lang="ko-KR" altLang="en-US"/>
           </a:p>
@@ -2588,7 +2588,7 @@
           <a:p>
             <a:fld id="{8371814F-6745-4BD5-BB6C-55747C060E9E}" type="datetimeFigureOut">
               <a:rPr lang="ko-KR" altLang="en-US" smtClean="0"/>
-              <a:t>2020-07-24</a:t>
+              <a:t>2020-11-15</a:t>
             </a:fld>
             <a:endParaRPr lang="ko-KR" altLang="en-US"/>
           </a:p>
